--- a/lecture_04/lecture04.pptx
+++ b/lecture_04/lecture04.pptx
@@ -18,7 +18,6 @@
     <p:sldId id="266" r:id="rId12"/>
     <p:sldId id="267" r:id="rId13"/>
     <p:sldId id="268" r:id="rId14"/>
-    <p:sldId id="269" r:id="rId15"/>
   </p:sldIdLst>
   <p:sldSz cx="12192000" cy="6858000"/>
   <p:notesSz cx="6858000" cy="9144000"/>
@@ -117,6 +116,11 @@
       </a:defRPr>
     </a:lvl9pPr>
   </p:defaultTextStyle>
+  <p:extLst>
+    <p:ext uri="{EFAFB233-063F-42B5-8137-9DF3F51BA10A}">
+      <p15:sldGuideLst xmlns:p15="http://schemas.microsoft.com/office/powerpoint/2012/main"/>
+    </p:ext>
+  </p:extLst>
 </p:presentation>
 </file>
 
@@ -269,7 +273,7 @@
           <a:p>
             <a:fld id="{81696B7A-E72B-9440-A3DA-E94B675A073A}" type="datetimeFigureOut">
               <a:rPr lang="en-MK" smtClean="0"/>
-              <a:t>4.10.23</a:t>
+              <a:t>27.3.24</a:t>
             </a:fld>
             <a:endParaRPr lang="en-MK"/>
           </a:p>
@@ -469,7 +473,7 @@
           <a:p>
             <a:fld id="{81696B7A-E72B-9440-A3DA-E94B675A073A}" type="datetimeFigureOut">
               <a:rPr lang="en-MK" smtClean="0"/>
-              <a:t>4.10.23</a:t>
+              <a:t>27.3.24</a:t>
             </a:fld>
             <a:endParaRPr lang="en-MK"/>
           </a:p>
@@ -679,7 +683,7 @@
           <a:p>
             <a:fld id="{81696B7A-E72B-9440-A3DA-E94B675A073A}" type="datetimeFigureOut">
               <a:rPr lang="en-MK" smtClean="0"/>
-              <a:t>4.10.23</a:t>
+              <a:t>27.3.24</a:t>
             </a:fld>
             <a:endParaRPr lang="en-MK"/>
           </a:p>
@@ -879,7 +883,7 @@
           <a:p>
             <a:fld id="{81696B7A-E72B-9440-A3DA-E94B675A073A}" type="datetimeFigureOut">
               <a:rPr lang="en-MK" smtClean="0"/>
-              <a:t>4.10.23</a:t>
+              <a:t>27.3.24</a:t>
             </a:fld>
             <a:endParaRPr lang="en-MK"/>
           </a:p>
@@ -1155,7 +1159,7 @@
           <a:p>
             <a:fld id="{81696B7A-E72B-9440-A3DA-E94B675A073A}" type="datetimeFigureOut">
               <a:rPr lang="en-MK" smtClean="0"/>
-              <a:t>4.10.23</a:t>
+              <a:t>27.3.24</a:t>
             </a:fld>
             <a:endParaRPr lang="en-MK"/>
           </a:p>
@@ -1423,7 +1427,7 @@
           <a:p>
             <a:fld id="{81696B7A-E72B-9440-A3DA-E94B675A073A}" type="datetimeFigureOut">
               <a:rPr lang="en-MK" smtClean="0"/>
-              <a:t>4.10.23</a:t>
+              <a:t>27.3.24</a:t>
             </a:fld>
             <a:endParaRPr lang="en-MK"/>
           </a:p>
@@ -1838,7 +1842,7 @@
           <a:p>
             <a:fld id="{81696B7A-E72B-9440-A3DA-E94B675A073A}" type="datetimeFigureOut">
               <a:rPr lang="en-MK" smtClean="0"/>
-              <a:t>4.10.23</a:t>
+              <a:t>27.3.24</a:t>
             </a:fld>
             <a:endParaRPr lang="en-MK"/>
           </a:p>
@@ -1980,7 +1984,7 @@
           <a:p>
             <a:fld id="{81696B7A-E72B-9440-A3DA-E94B675A073A}" type="datetimeFigureOut">
               <a:rPr lang="en-MK" smtClean="0"/>
-              <a:t>4.10.23</a:t>
+              <a:t>27.3.24</a:t>
             </a:fld>
             <a:endParaRPr lang="en-MK"/>
           </a:p>
@@ -2093,7 +2097,7 @@
           <a:p>
             <a:fld id="{81696B7A-E72B-9440-A3DA-E94B675A073A}" type="datetimeFigureOut">
               <a:rPr lang="en-MK" smtClean="0"/>
-              <a:t>4.10.23</a:t>
+              <a:t>27.3.24</a:t>
             </a:fld>
             <a:endParaRPr lang="en-MK"/>
           </a:p>
@@ -2406,7 +2410,7 @@
           <a:p>
             <a:fld id="{81696B7A-E72B-9440-A3DA-E94B675A073A}" type="datetimeFigureOut">
               <a:rPr lang="en-MK" smtClean="0"/>
-              <a:t>4.10.23</a:t>
+              <a:t>27.3.24</a:t>
             </a:fld>
             <a:endParaRPr lang="en-MK"/>
           </a:p>
@@ -2695,7 +2699,7 @@
           <a:p>
             <a:fld id="{81696B7A-E72B-9440-A3DA-E94B675A073A}" type="datetimeFigureOut">
               <a:rPr lang="en-MK" smtClean="0"/>
-              <a:t>4.10.23</a:t>
+              <a:t>27.3.24</a:t>
             </a:fld>
             <a:endParaRPr lang="en-MK"/>
           </a:p>
@@ -2938,7 +2942,7 @@
           <a:p>
             <a:fld id="{81696B7A-E72B-9440-A3DA-E94B675A073A}" type="datetimeFigureOut">
               <a:rPr lang="en-MK" smtClean="0"/>
-              <a:t>4.10.23</a:t>
+              <a:t>27.3.24</a:t>
             </a:fld>
             <a:endParaRPr lang="en-MK"/>
           </a:p>
@@ -4308,274 +4312,6 @@
     <p:extLst>
       <p:ext uri="{BB962C8B-B14F-4D97-AF65-F5344CB8AC3E}">
         <p14:creationId xmlns:p14="http://schemas.microsoft.com/office/powerpoint/2010/main" val="2109731326"/>
-      </p:ext>
-    </p:extLst>
-  </p:cSld>
-  <p:clrMapOvr>
-    <a:masterClrMapping/>
-  </p:clrMapOvr>
-</p:sld>
-</file>
-
-<file path=ppt/slides/slide14.xml><?xml version="1.0" encoding="utf-8"?>
-<p:sld xmlns:a="http://schemas.openxmlformats.org/drawingml/2006/main" xmlns:r="http://schemas.openxmlformats.org/officeDocument/2006/relationships" xmlns:p="http://schemas.openxmlformats.org/presentationml/2006/main">
-  <p:cSld>
-    <p:spTree>
-      <p:nvGrpSpPr>
-        <p:cNvPr id="1" name=""/>
-        <p:cNvGrpSpPr/>
-        <p:nvPr/>
-      </p:nvGrpSpPr>
-      <p:grpSpPr>
-        <a:xfrm>
-          <a:off x="0" y="0"/>
-          <a:ext cx="0" cy="0"/>
-          <a:chOff x="0" y="0"/>
-          <a:chExt cx="0" cy="0"/>
-        </a:xfrm>
-      </p:grpSpPr>
-      <p:sp>
-        <p:nvSpPr>
-          <p:cNvPr id="2" name="Title 1">
-            <a:extLst>
-              <a:ext uri="{FF2B5EF4-FFF2-40B4-BE49-F238E27FC236}">
-                <a16:creationId xmlns:a16="http://schemas.microsoft.com/office/drawing/2014/main" id="{BE8B8E4E-DBA7-784B-BF95-572DC4770222}"/>
-              </a:ext>
-            </a:extLst>
-          </p:cNvPr>
-          <p:cNvSpPr>
-            <a:spLocks noGrp="1"/>
-          </p:cNvSpPr>
-          <p:nvPr>
-            <p:ph type="title"/>
-          </p:nvPr>
-        </p:nvSpPr>
-        <p:spPr/>
-        <p:txBody>
-          <a:bodyPr>
-            <a:normAutofit/>
-          </a:bodyPr>
-          <a:lstStyle/>
-          <a:p>
-            <a:pPr algn="l"/>
-            <a:r>
-              <a:rPr lang="en-GB" sz="4000" b="1" i="0" dirty="0">
-                <a:solidFill>
-                  <a:schemeClr val="accent2"/>
-                </a:solidFill>
-                <a:effectLst/>
-              </a:rPr>
-              <a:t>Parameters</a:t>
-            </a:r>
-            <a:endParaRPr lang="en-MK" sz="4000" dirty="0">
-              <a:solidFill>
-                <a:schemeClr val="accent2"/>
-              </a:solidFill>
-            </a:endParaRPr>
-          </a:p>
-        </p:txBody>
-      </p:sp>
-      <p:sp>
-        <p:nvSpPr>
-          <p:cNvPr id="3" name="Content Placeholder 2">
-            <a:extLst>
-              <a:ext uri="{FF2B5EF4-FFF2-40B4-BE49-F238E27FC236}">
-                <a16:creationId xmlns:a16="http://schemas.microsoft.com/office/drawing/2014/main" id="{F549AD3D-ECD4-4D59-B1AD-816653C8D3F0}"/>
-              </a:ext>
-            </a:extLst>
-          </p:cNvPr>
-          <p:cNvSpPr>
-            <a:spLocks noGrp="1"/>
-          </p:cNvSpPr>
-          <p:nvPr>
-            <p:ph idx="1"/>
-          </p:nvPr>
-        </p:nvSpPr>
-        <p:spPr/>
-        <p:txBody>
-          <a:bodyPr>
-            <a:normAutofit/>
-          </a:bodyPr>
-          <a:lstStyle/>
-          <a:p>
-            <a:pPr algn="l">
-              <a:buFont typeface="Arial" panose="020B0604020202020204" pitchFamily="34" charset="0"/>
-              <a:buChar char="•"/>
-            </a:pPr>
-            <a:r>
-              <a:rPr lang="en-GB" sz="1800" b="0" i="0" dirty="0">
-                <a:solidFill>
-                  <a:srgbClr val="23272F"/>
-                </a:solidFill>
-                <a:effectLst/>
-                <a:latin typeface="Optimistic Text"/>
-              </a:rPr>
-              <a:t>setup: The function with your Effect’s logic. Your setup function may also optionally return a </a:t>
-            </a:r>
-            <a:r>
-              <a:rPr lang="en-GB" sz="1800" b="0" i="1" dirty="0" err="1">
-                <a:solidFill>
-                  <a:srgbClr val="23272F"/>
-                </a:solidFill>
-                <a:effectLst/>
-                <a:latin typeface="Optimistic Text"/>
-              </a:rPr>
-              <a:t>cleanup</a:t>
-            </a:r>
-            <a:r>
-              <a:rPr lang="en-GB" sz="1800" b="0" i="0" dirty="0">
-                <a:solidFill>
-                  <a:srgbClr val="23272F"/>
-                </a:solidFill>
-                <a:effectLst/>
-                <a:latin typeface="Optimistic Text"/>
-              </a:rPr>
-              <a:t> function. When your component is added to the DOM, React will run your setup function. After every re-render with changed dependencies, React will first run the </a:t>
-            </a:r>
-            <a:r>
-              <a:rPr lang="en-GB" sz="1800" b="0" i="0" dirty="0" err="1">
-                <a:solidFill>
-                  <a:srgbClr val="23272F"/>
-                </a:solidFill>
-                <a:effectLst/>
-                <a:latin typeface="Optimistic Text"/>
-              </a:rPr>
-              <a:t>cleanup</a:t>
-            </a:r>
-            <a:r>
-              <a:rPr lang="en-GB" sz="1800" b="0" i="0" dirty="0">
-                <a:solidFill>
-                  <a:srgbClr val="23272F"/>
-                </a:solidFill>
-                <a:effectLst/>
-                <a:latin typeface="Optimistic Text"/>
-              </a:rPr>
-              <a:t> function (if you provided it) with the old values, and then run your setup function with the new values. After your component is removed from the DOM, React will run your </a:t>
-            </a:r>
-            <a:r>
-              <a:rPr lang="en-GB" sz="1800" b="0" i="0" dirty="0" err="1">
-                <a:solidFill>
-                  <a:srgbClr val="23272F"/>
-                </a:solidFill>
-                <a:effectLst/>
-                <a:latin typeface="Optimistic Text"/>
-              </a:rPr>
-              <a:t>cleanup</a:t>
-            </a:r>
-            <a:r>
-              <a:rPr lang="en-GB" sz="1800" b="0" i="0" dirty="0">
-                <a:solidFill>
-                  <a:srgbClr val="23272F"/>
-                </a:solidFill>
-                <a:effectLst/>
-                <a:latin typeface="Optimistic Text"/>
-              </a:rPr>
-              <a:t> function.</a:t>
-            </a:r>
-          </a:p>
-          <a:p>
-            <a:pPr algn="l">
-              <a:buFont typeface="Arial" panose="020B0604020202020204" pitchFamily="34" charset="0"/>
-              <a:buChar char="•"/>
-            </a:pPr>
-            <a:r>
-              <a:rPr lang="en-GB" sz="1800" b="1" i="0" dirty="0">
-                <a:solidFill>
-                  <a:srgbClr val="23272F"/>
-                </a:solidFill>
-                <a:effectLst/>
-                <a:latin typeface="Optimistic Text"/>
-              </a:rPr>
-              <a:t>optional</a:t>
-            </a:r>
-            <a:r>
-              <a:rPr lang="en-GB" sz="1800" b="0" i="0" dirty="0">
-                <a:solidFill>
-                  <a:srgbClr val="23272F"/>
-                </a:solidFill>
-                <a:effectLst/>
-                <a:latin typeface="Optimistic Text"/>
-              </a:rPr>
-              <a:t> dependencies: The list of all reactive values referenced inside of the setup code. Reactive values include props, state, and all the variables and functions declared directly inside your component body. If your linter is </a:t>
-            </a:r>
-            <a:r>
-              <a:rPr lang="en-GB" sz="1800" b="0" i="0" dirty="0">
-                <a:solidFill>
-                  <a:srgbClr val="23272F"/>
-                </a:solidFill>
-                <a:effectLst/>
-                <a:latin typeface="Optimistic Text"/>
-                <a:hlinkClick r:id="rId2"/>
-              </a:rPr>
-              <a:t>configured for React</a:t>
-            </a:r>
-            <a:r>
-              <a:rPr lang="en-GB" sz="1800" b="0" i="0" dirty="0">
-                <a:solidFill>
-                  <a:srgbClr val="23272F"/>
-                </a:solidFill>
-                <a:effectLst/>
-                <a:latin typeface="Optimistic Text"/>
-              </a:rPr>
-              <a:t>, it will verify that every reactive value is correctly specified as a dependency. The list of dependencies must have a constant number of items and be written inline like [dep1, dep2, dep3]. React will compare each dependency with its previous value using the </a:t>
-            </a:r>
-            <a:r>
-              <a:rPr lang="en-GB" sz="1800" b="0" i="0" dirty="0">
-                <a:solidFill>
-                  <a:srgbClr val="23272F"/>
-                </a:solidFill>
-                <a:effectLst/>
-                <a:latin typeface="Optimistic Text"/>
-                <a:hlinkClick r:id="rId3"/>
-              </a:rPr>
-              <a:t>Object.is</a:t>
-            </a:r>
-            <a:r>
-              <a:rPr lang="en-GB" sz="1800" b="0" i="0" dirty="0">
-                <a:solidFill>
-                  <a:srgbClr val="23272F"/>
-                </a:solidFill>
-                <a:effectLst/>
-                <a:latin typeface="Optimistic Text"/>
-              </a:rPr>
-              <a:t> comparison. If you omit this argument, your Effect will re-run after every re-render of the component. </a:t>
-            </a:r>
-            <a:r>
-              <a:rPr lang="en-GB" sz="1800" b="0" i="0" dirty="0">
-                <a:solidFill>
-                  <a:srgbClr val="23272F"/>
-                </a:solidFill>
-                <a:effectLst/>
-                <a:latin typeface="Optimistic Text"/>
-                <a:hlinkClick r:id="rId4"/>
-              </a:rPr>
-              <a:t>See the difference between passing an array of dependencies, an empty array, and no dependencies at all.</a:t>
-            </a:r>
-            <a:endParaRPr lang="en-GB" sz="1800" b="0" i="0" dirty="0">
-              <a:solidFill>
-                <a:srgbClr val="23272F"/>
-              </a:solidFill>
-              <a:effectLst/>
-              <a:latin typeface="Optimistic Text"/>
-            </a:endParaRPr>
-          </a:p>
-          <a:p>
-            <a:pPr marL="0" indent="0" algn="l">
-              <a:buNone/>
-            </a:pPr>
-            <a:endParaRPr lang="en-GB" sz="1800" i="0" dirty="0">
-              <a:solidFill>
-                <a:srgbClr val="23272F"/>
-              </a:solidFill>
-              <a:effectLst/>
-            </a:endParaRPr>
-          </a:p>
-        </p:txBody>
-      </p:sp>
-    </p:spTree>
-    <p:extLst>
-      <p:ext uri="{BB962C8B-B14F-4D97-AF65-F5344CB8AC3E}">
-        <p14:creationId xmlns:p14="http://schemas.microsoft.com/office/powerpoint/2010/main" val="3931292530"/>
       </p:ext>
     </p:extLst>
   </p:cSld>
